--- a/Indexing/JD_NCI_2023.pptx
+++ b/Indexing/JD_NCI_2023.pptx
@@ -6,27 +6,28 @@
     <p:sldMasterId id="2147485436" r:id="rId4"/>
   </p:sldMasterIdLst>
   <p:notesMasterIdLst>
-    <p:notesMasterId r:id="rId23"/>
+    <p:notesMasterId r:id="rId24"/>
   </p:notesMasterIdLst>
   <p:sldIdLst>
     <p:sldId id="2103813174" r:id="rId5"/>
     <p:sldId id="2145705856" r:id="rId6"/>
     <p:sldId id="2103813337" r:id="rId7"/>
     <p:sldId id="461" r:id="rId8"/>
-    <p:sldId id="1502" r:id="rId9"/>
-    <p:sldId id="1503" r:id="rId10"/>
-    <p:sldId id="2103813175" r:id="rId11"/>
-    <p:sldId id="612" r:id="rId12"/>
-    <p:sldId id="1596" r:id="rId13"/>
-    <p:sldId id="1597" r:id="rId14"/>
-    <p:sldId id="566" r:id="rId15"/>
-    <p:sldId id="626" r:id="rId16"/>
-    <p:sldId id="10027" r:id="rId17"/>
-    <p:sldId id="10028" r:id="rId18"/>
-    <p:sldId id="477" r:id="rId19"/>
-    <p:sldId id="478" r:id="rId20"/>
-    <p:sldId id="1343" r:id="rId21"/>
-    <p:sldId id="274" r:id="rId22"/>
+    <p:sldId id="1499" r:id="rId9"/>
+    <p:sldId id="1502" r:id="rId10"/>
+    <p:sldId id="1503" r:id="rId11"/>
+    <p:sldId id="2103813175" r:id="rId12"/>
+    <p:sldId id="612" r:id="rId13"/>
+    <p:sldId id="1596" r:id="rId14"/>
+    <p:sldId id="1597" r:id="rId15"/>
+    <p:sldId id="566" r:id="rId16"/>
+    <p:sldId id="626" r:id="rId17"/>
+    <p:sldId id="10027" r:id="rId18"/>
+    <p:sldId id="10028" r:id="rId19"/>
+    <p:sldId id="477" r:id="rId20"/>
+    <p:sldId id="478" r:id="rId21"/>
+    <p:sldId id="1343" r:id="rId22"/>
+    <p:sldId id="274" r:id="rId23"/>
   </p:sldIdLst>
   <p:sldSz cx="12192000" cy="6858000"/>
   <p:notesSz cx="6858000" cy="9144000"/>
@@ -138,6 +139,7 @@
         <p14:section name="Non-Clustered Indexes" id="{D2BC3036-AFF2-4A70-B633-C33CF965DF72}">
           <p14:sldIdLst>
             <p14:sldId id="461"/>
+            <p14:sldId id="1499"/>
             <p14:sldId id="1502"/>
             <p14:sldId id="1503"/>
             <p14:sldId id="2103813175"/>
@@ -164,6 +166,14 @@
     </p:ext>
   </p:extLst>
 </p:presentation>
+</file>
+
+<file path=ppt/revisionInfo.xml><?xml version="1.0" encoding="utf-8"?>
+<p1510:revInfo xmlns:a="http://schemas.openxmlformats.org/drawingml/2006/main" xmlns:r="http://schemas.openxmlformats.org/officeDocument/2006/relationships" xmlns:p1510="http://schemas.microsoft.com/office/powerpoint/2015/10/main">
+  <p1510:revLst>
+    <p1510:client id="{5E698802-8F58-449D-8EAE-98CEC532C23D}" v="1" dt="2023-07-09T13:45:12.671"/>
+  </p1510:revLst>
+</p1510:revInfo>
 </file>
 
 <file path=ppt/diagrams/colors1.xml><?xml version="1.0" encoding="utf-8"?>
@@ -14097,7 +14107,7 @@
           <a:p>
             <a:fld id="{CFBA6064-FDE0-48E8-9405-22609F48ED19}" type="datetimeFigureOut">
               <a:rPr lang="en-US" smtClean="0"/>
-              <a:t>5/28/2023</a:t>
+              <a:t>7/9/2023</a:t>
             </a:fld>
             <a:endParaRPr lang="en-US"/>
           </a:p>
@@ -14574,7 +14584,7 @@
           <a:p>
             <a:fld id="{2910A2D9-F064-48EF-99CB-A51108C1AB40}" type="slidenum">
               <a:rPr lang="en-US" noProof="0" smtClean="0"/>
-              <a:t>12</a:t>
+              <a:t>13</a:t>
             </a:fld>
             <a:endParaRPr lang="en-US" noProof="0"/>
           </a:p>
@@ -14719,7 +14729,7 @@
           <a:p>
             <a:fld id="{2910A2D9-F064-48EF-99CB-A51108C1AB40}" type="slidenum">
               <a:rPr lang="en-US" noProof="0" smtClean="0"/>
-              <a:t>13</a:t>
+              <a:t>14</a:t>
             </a:fld>
             <a:endParaRPr lang="en-US" noProof="0"/>
           </a:p>
@@ -14864,7 +14874,7 @@
           <a:p>
             <a:fld id="{2910A2D9-F064-48EF-99CB-A51108C1AB40}" type="slidenum">
               <a:rPr lang="en-US" noProof="0" smtClean="0"/>
-              <a:t>14</a:t>
+              <a:t>15</a:t>
             </a:fld>
             <a:endParaRPr lang="en-US" noProof="0"/>
           </a:p>
@@ -14884,325 +14894,6 @@
 </file>
 
 <file path=ppt/notesSlides/notesSlide13.xml><?xml version="1.0" encoding="utf-8"?>
-<p:notes xmlns:a="http://schemas.openxmlformats.org/drawingml/2006/main" xmlns:r="http://schemas.openxmlformats.org/officeDocument/2006/relationships" xmlns:p="http://schemas.openxmlformats.org/presentationml/2006/main">
-  <p:cSld>
-    <p:spTree>
-      <p:nvGrpSpPr>
-        <p:cNvPr id="1" name=""/>
-        <p:cNvGrpSpPr/>
-        <p:nvPr/>
-      </p:nvGrpSpPr>
-      <p:grpSpPr>
-        <a:xfrm>
-          <a:off x="0" y="0"/>
-          <a:ext cx="0" cy="0"/>
-          <a:chOff x="0" y="0"/>
-          <a:chExt cx="0" cy="0"/>
-        </a:xfrm>
-      </p:grpSpPr>
-      <p:sp>
-        <p:nvSpPr>
-          <p:cNvPr id="7" name="Slide Number Placeholder 6"/>
-          <p:cNvSpPr>
-            <a:spLocks noGrp="1"/>
-          </p:cNvSpPr>
-          <p:nvPr>
-            <p:ph type="sldNum" sz="quarter" idx="13"/>
-          </p:nvPr>
-        </p:nvSpPr>
-        <p:spPr/>
-        <p:txBody>
-          <a:bodyPr/>
-          <a:lstStyle/>
-          <a:p>
-            <a:pPr marL="0" marR="0" lvl="0" indent="0" algn="r" defTabSz="914400" rtl="0" eaLnBrk="1" fontAlgn="auto" latinLnBrk="0" hangingPunct="1">
-              <a:lnSpc>
-                <a:spcPct val="100000"/>
-              </a:lnSpc>
-              <a:spcBef>
-                <a:spcPts val="0"/>
-              </a:spcBef>
-              <a:spcAft>
-                <a:spcPts val="0"/>
-              </a:spcAft>
-              <a:buClrTx/>
-              <a:buSzTx/>
-              <a:buFontTx/>
-              <a:buNone/>
-              <a:tabLst/>
-              <a:defRPr/>
-            </a:pPr>
-            <a:fld id="{EC87E0CF-87F6-4B58-B8B8-DCAB2DAAF3CA}" type="slidenum">
-              <a:rPr kumimoji="0" lang="en-US" sz="1200" b="0" i="0" u="none" strike="noStrike" kern="1200" cap="none" spc="0" normalizeH="0" baseline="0" noProof="0">
-                <a:ln>
-                  <a:noFill/>
-                </a:ln>
-                <a:solidFill>
-                  <a:prstClr val="black"/>
-                </a:solidFill>
-                <a:effectLst/>
-                <a:uLnTx/>
-                <a:uFillTx/>
-                <a:latin typeface="Calibri" panose="020F0502020204030204"/>
-                <a:ea typeface="+mn-ea"/>
-                <a:cs typeface="+mn-cs"/>
-              </a:rPr>
-              <a:pPr marL="0" marR="0" lvl="0" indent="0" algn="r" defTabSz="914400" rtl="0" eaLnBrk="1" fontAlgn="auto" latinLnBrk="0" hangingPunct="1">
-                <a:lnSpc>
-                  <a:spcPct val="100000"/>
-                </a:lnSpc>
-                <a:spcBef>
-                  <a:spcPts val="0"/>
-                </a:spcBef>
-                <a:spcAft>
-                  <a:spcPts val="0"/>
-                </a:spcAft>
-                <a:buClrTx/>
-                <a:buSzTx/>
-                <a:buFontTx/>
-                <a:buNone/>
-                <a:tabLst/>
-                <a:defRPr/>
-              </a:pPr>
-              <a:t>17</a:t>
-            </a:fld>
-            <a:endParaRPr kumimoji="0" lang="en-US" sz="1200" b="0" i="0" u="none" strike="noStrike" kern="1200" cap="none" spc="0" normalizeH="0" baseline="0" noProof="0">
-              <a:ln>
-                <a:noFill/>
-              </a:ln>
-              <a:solidFill>
-                <a:prstClr val="black"/>
-              </a:solidFill>
-              <a:effectLst/>
-              <a:uLnTx/>
-              <a:uFillTx/>
-              <a:latin typeface="Calibri" panose="020F0502020204030204"/>
-              <a:ea typeface="+mn-ea"/>
-              <a:cs typeface="+mn-cs"/>
-            </a:endParaRPr>
-          </a:p>
-        </p:txBody>
-      </p:sp>
-      <p:sp>
-        <p:nvSpPr>
-          <p:cNvPr id="3" name="Date Placeholder 2">
-            <a:extLst>
-              <a:ext uri="{FF2B5EF4-FFF2-40B4-BE49-F238E27FC236}">
-                <a16:creationId xmlns:a16="http://schemas.microsoft.com/office/drawing/2014/main" id="{1215B0C0-E5D8-4E46-A54E-EA968C86FB78}"/>
-              </a:ext>
-            </a:extLst>
-          </p:cNvPr>
-          <p:cNvSpPr>
-            <a:spLocks noGrp="1"/>
-          </p:cNvSpPr>
-          <p:nvPr>
-            <p:ph type="dt" idx="15"/>
-          </p:nvPr>
-        </p:nvSpPr>
-        <p:spPr/>
-        <p:txBody>
-          <a:bodyPr/>
-          <a:lstStyle/>
-          <a:p>
-            <a:pPr marL="0" marR="0" lvl="0" indent="0" algn="r" defTabSz="914400" rtl="0" eaLnBrk="1" fontAlgn="auto" latinLnBrk="0" hangingPunct="1">
-              <a:lnSpc>
-                <a:spcPct val="100000"/>
-              </a:lnSpc>
-              <a:spcBef>
-                <a:spcPts val="0"/>
-              </a:spcBef>
-              <a:spcAft>
-                <a:spcPts val="0"/>
-              </a:spcAft>
-              <a:buClrTx/>
-              <a:buSzTx/>
-              <a:buFontTx/>
-              <a:buNone/>
-              <a:tabLst/>
-              <a:defRPr/>
-            </a:pPr>
-            <a:fld id="{6D50A064-0189-4F17-A351-AA3748785BA8}" type="datetime1">
-              <a:rPr kumimoji="0" lang="en-US" sz="1200" b="0" i="0" u="none" strike="noStrike" kern="1200" cap="none" spc="0" normalizeH="0" baseline="0" noProof="0">
-                <a:ln>
-                  <a:noFill/>
-                </a:ln>
-                <a:solidFill>
-                  <a:prstClr val="black"/>
-                </a:solidFill>
-                <a:effectLst/>
-                <a:uLnTx/>
-                <a:uFillTx/>
-                <a:latin typeface="Calibri" panose="020F0502020204030204"/>
-                <a:ea typeface="+mn-ea"/>
-                <a:cs typeface="+mn-cs"/>
-              </a:rPr>
-              <a:pPr marL="0" marR="0" lvl="0" indent="0" algn="r" defTabSz="914400" rtl="0" eaLnBrk="1" fontAlgn="auto" latinLnBrk="0" hangingPunct="1">
-                <a:lnSpc>
-                  <a:spcPct val="100000"/>
-                </a:lnSpc>
-                <a:spcBef>
-                  <a:spcPts val="0"/>
-                </a:spcBef>
-                <a:spcAft>
-                  <a:spcPts val="0"/>
-                </a:spcAft>
-                <a:buClrTx/>
-                <a:buSzTx/>
-                <a:buFontTx/>
-                <a:buNone/>
-                <a:tabLst/>
-                <a:defRPr/>
-              </a:pPr>
-              <a:t>5/28/2023</a:t>
-            </a:fld>
-            <a:endParaRPr kumimoji="0" lang="en-US" sz="1200" b="0" i="0" u="none" strike="noStrike" kern="1200" cap="none" spc="0" normalizeH="0" baseline="0" noProof="0">
-              <a:ln>
-                <a:noFill/>
-              </a:ln>
-              <a:solidFill>
-                <a:prstClr val="black"/>
-              </a:solidFill>
-              <a:effectLst/>
-              <a:uLnTx/>
-              <a:uFillTx/>
-              <a:latin typeface="Calibri" panose="020F0502020204030204"/>
-              <a:ea typeface="+mn-ea"/>
-              <a:cs typeface="+mn-cs"/>
-            </a:endParaRPr>
-          </a:p>
-        </p:txBody>
-      </p:sp>
-      <p:sp>
-        <p:nvSpPr>
-          <p:cNvPr id="8" name="Slide Image Placeholder 7">
-            <a:extLst>
-              <a:ext uri="{FF2B5EF4-FFF2-40B4-BE49-F238E27FC236}">
-                <a16:creationId xmlns:a16="http://schemas.microsoft.com/office/drawing/2014/main" id="{EE4402E8-2EA7-4193-9D00-7E2272B203D4}"/>
-              </a:ext>
-            </a:extLst>
-          </p:cNvPr>
-          <p:cNvSpPr>
-            <a:spLocks noGrp="1" noRot="1" noChangeAspect="1"/>
-          </p:cNvSpPr>
-          <p:nvPr>
-            <p:ph type="sldImg"/>
-          </p:nvPr>
-        </p:nvSpPr>
-        <p:spPr/>
-      </p:sp>
-      <p:sp>
-        <p:nvSpPr>
-          <p:cNvPr id="9" name="Notes Placeholder 8">
-            <a:extLst>
-              <a:ext uri="{FF2B5EF4-FFF2-40B4-BE49-F238E27FC236}">
-                <a16:creationId xmlns:a16="http://schemas.microsoft.com/office/drawing/2014/main" id="{FA351A47-ABCB-4338-85BD-CB2EA0A493E3}"/>
-              </a:ext>
-            </a:extLst>
-          </p:cNvPr>
-          <p:cNvSpPr>
-            <a:spLocks noGrp="1"/>
-          </p:cNvSpPr>
-          <p:nvPr>
-            <p:ph type="body" idx="1"/>
-          </p:nvPr>
-        </p:nvSpPr>
-        <p:spPr>
-          <a:xfrm>
-            <a:off x="685800" y="4400550"/>
-            <a:ext cx="5486400" cy="3600450"/>
-          </a:xfrm>
-          <a:prstGeom prst="rect">
-            <a:avLst/>
-          </a:prstGeom>
-        </p:spPr>
-        <p:txBody>
-          <a:bodyPr/>
-          <a:lstStyle/>
-          <a:p>
-            <a:endParaRPr lang="en-US"/>
-          </a:p>
-        </p:txBody>
-      </p:sp>
-      <p:sp>
-        <p:nvSpPr>
-          <p:cNvPr id="4" name="Header Placeholder 3">
-            <a:extLst>
-              <a:ext uri="{FF2B5EF4-FFF2-40B4-BE49-F238E27FC236}">
-                <a16:creationId xmlns:a16="http://schemas.microsoft.com/office/drawing/2014/main" id="{2A98CFE3-9F8B-4B50-8CC9-ECDE547B8B73}"/>
-              </a:ext>
-            </a:extLst>
-          </p:cNvPr>
-          <p:cNvSpPr>
-            <a:spLocks noGrp="1"/>
-          </p:cNvSpPr>
-          <p:nvPr>
-            <p:ph type="hdr" sz="quarter" idx="16"/>
-          </p:nvPr>
-        </p:nvSpPr>
-        <p:spPr>
-          <a:xfrm>
-            <a:off x="0" y="0"/>
-            <a:ext cx="2971800" cy="458788"/>
-          </a:xfrm>
-          <a:prstGeom prst="rect">
-            <a:avLst/>
-          </a:prstGeom>
-        </p:spPr>
-        <p:txBody>
-          <a:bodyPr/>
-          <a:lstStyle/>
-          <a:p>
-            <a:pPr marL="0" marR="0" lvl="0" indent="0" algn="l" defTabSz="914400" rtl="0" eaLnBrk="1" fontAlgn="auto" latinLnBrk="0" hangingPunct="1">
-              <a:lnSpc>
-                <a:spcPct val="100000"/>
-              </a:lnSpc>
-              <a:spcBef>
-                <a:spcPts val="0"/>
-              </a:spcBef>
-              <a:spcAft>
-                <a:spcPts val="0"/>
-              </a:spcAft>
-              <a:buClrTx/>
-              <a:buSzTx/>
-              <a:buFontTx/>
-              <a:buNone/>
-              <a:tabLst/>
-              <a:defRPr/>
-            </a:pPr>
-            <a:r>
-              <a:rPr kumimoji="0" lang="en-US" sz="1200" b="0" i="0" u="none" strike="noStrike" kern="1200" cap="none" spc="0" normalizeH="0" baseline="0" noProof="0">
-                <a:ln>
-                  <a:noFill/>
-                </a:ln>
-                <a:solidFill>
-                  <a:prstClr val="black"/>
-                </a:solidFill>
-                <a:effectLst/>
-                <a:uLnTx/>
-                <a:uFillTx/>
-                <a:latin typeface="Calibri" panose="020F0502020204030204"/>
-                <a:ea typeface="+mn-ea"/>
-                <a:cs typeface="+mn-cs"/>
-              </a:rPr>
-              <a:t>[[HEADER]]</a:t>
-            </a:r>
-          </a:p>
-        </p:txBody>
-      </p:sp>
-    </p:spTree>
-    <p:extLst>
-      <p:ext uri="{BB962C8B-B14F-4D97-AF65-F5344CB8AC3E}">
-        <p14:creationId xmlns:p14="http://schemas.microsoft.com/office/powerpoint/2010/main" val="1090669814"/>
-      </p:ext>
-    </p:extLst>
-  </p:cSld>
-  <p:clrMapOvr>
-    <a:masterClrMapping/>
-  </p:clrMapOvr>
-</p:notes>
-</file>
-
-<file path=ppt/notesSlides/notesSlide14.xml><?xml version="1.0" encoding="utf-8"?>
 <p:notes xmlns:a="http://schemas.openxmlformats.org/drawingml/2006/main" xmlns:r="http://schemas.openxmlformats.org/officeDocument/2006/relationships" xmlns:p="http://schemas.openxmlformats.org/presentationml/2006/main">
   <p:cSld>
     <p:spTree>
@@ -15372,7 +15063,326 @@
                 <a:tabLst/>
                 <a:defRPr/>
               </a:pPr>
-              <a:t>5/28/2023</a:t>
+              <a:t>7/9/2023</a:t>
+            </a:fld>
+            <a:endParaRPr kumimoji="0" lang="en-US" sz="1200" b="0" i="0" u="none" strike="noStrike" kern="1200" cap="none" spc="0" normalizeH="0" baseline="0" noProof="0">
+              <a:ln>
+                <a:noFill/>
+              </a:ln>
+              <a:solidFill>
+                <a:prstClr val="black"/>
+              </a:solidFill>
+              <a:effectLst/>
+              <a:uLnTx/>
+              <a:uFillTx/>
+              <a:latin typeface="Calibri" panose="020F0502020204030204"/>
+              <a:ea typeface="+mn-ea"/>
+              <a:cs typeface="+mn-cs"/>
+            </a:endParaRPr>
+          </a:p>
+        </p:txBody>
+      </p:sp>
+      <p:sp>
+        <p:nvSpPr>
+          <p:cNvPr id="8" name="Slide Image Placeholder 7">
+            <a:extLst>
+              <a:ext uri="{FF2B5EF4-FFF2-40B4-BE49-F238E27FC236}">
+                <a16:creationId xmlns:a16="http://schemas.microsoft.com/office/drawing/2014/main" id="{EE4402E8-2EA7-4193-9D00-7E2272B203D4}"/>
+              </a:ext>
+            </a:extLst>
+          </p:cNvPr>
+          <p:cNvSpPr>
+            <a:spLocks noGrp="1" noRot="1" noChangeAspect="1"/>
+          </p:cNvSpPr>
+          <p:nvPr>
+            <p:ph type="sldImg"/>
+          </p:nvPr>
+        </p:nvSpPr>
+        <p:spPr/>
+      </p:sp>
+      <p:sp>
+        <p:nvSpPr>
+          <p:cNvPr id="9" name="Notes Placeholder 8">
+            <a:extLst>
+              <a:ext uri="{FF2B5EF4-FFF2-40B4-BE49-F238E27FC236}">
+                <a16:creationId xmlns:a16="http://schemas.microsoft.com/office/drawing/2014/main" id="{FA351A47-ABCB-4338-85BD-CB2EA0A493E3}"/>
+              </a:ext>
+            </a:extLst>
+          </p:cNvPr>
+          <p:cNvSpPr>
+            <a:spLocks noGrp="1"/>
+          </p:cNvSpPr>
+          <p:nvPr>
+            <p:ph type="body" idx="1"/>
+          </p:nvPr>
+        </p:nvSpPr>
+        <p:spPr>
+          <a:xfrm>
+            <a:off x="685800" y="4400550"/>
+            <a:ext cx="5486400" cy="3600450"/>
+          </a:xfrm>
+          <a:prstGeom prst="rect">
+            <a:avLst/>
+          </a:prstGeom>
+        </p:spPr>
+        <p:txBody>
+          <a:bodyPr/>
+          <a:lstStyle/>
+          <a:p>
+            <a:endParaRPr lang="en-US"/>
+          </a:p>
+        </p:txBody>
+      </p:sp>
+      <p:sp>
+        <p:nvSpPr>
+          <p:cNvPr id="4" name="Header Placeholder 3">
+            <a:extLst>
+              <a:ext uri="{FF2B5EF4-FFF2-40B4-BE49-F238E27FC236}">
+                <a16:creationId xmlns:a16="http://schemas.microsoft.com/office/drawing/2014/main" id="{2A98CFE3-9F8B-4B50-8CC9-ECDE547B8B73}"/>
+              </a:ext>
+            </a:extLst>
+          </p:cNvPr>
+          <p:cNvSpPr>
+            <a:spLocks noGrp="1"/>
+          </p:cNvSpPr>
+          <p:nvPr>
+            <p:ph type="hdr" sz="quarter" idx="16"/>
+          </p:nvPr>
+        </p:nvSpPr>
+        <p:spPr>
+          <a:xfrm>
+            <a:off x="0" y="0"/>
+            <a:ext cx="2971800" cy="458788"/>
+          </a:xfrm>
+          <a:prstGeom prst="rect">
+            <a:avLst/>
+          </a:prstGeom>
+        </p:spPr>
+        <p:txBody>
+          <a:bodyPr/>
+          <a:lstStyle/>
+          <a:p>
+            <a:pPr marL="0" marR="0" lvl="0" indent="0" algn="l" defTabSz="914400" rtl="0" eaLnBrk="1" fontAlgn="auto" latinLnBrk="0" hangingPunct="1">
+              <a:lnSpc>
+                <a:spcPct val="100000"/>
+              </a:lnSpc>
+              <a:spcBef>
+                <a:spcPts val="0"/>
+              </a:spcBef>
+              <a:spcAft>
+                <a:spcPts val="0"/>
+              </a:spcAft>
+              <a:buClrTx/>
+              <a:buSzTx/>
+              <a:buFontTx/>
+              <a:buNone/>
+              <a:tabLst/>
+              <a:defRPr/>
+            </a:pPr>
+            <a:r>
+              <a:rPr kumimoji="0" lang="en-US" sz="1200" b="0" i="0" u="none" strike="noStrike" kern="1200" cap="none" spc="0" normalizeH="0" baseline="0" noProof="0">
+                <a:ln>
+                  <a:noFill/>
+                </a:ln>
+                <a:solidFill>
+                  <a:prstClr val="black"/>
+                </a:solidFill>
+                <a:effectLst/>
+                <a:uLnTx/>
+                <a:uFillTx/>
+                <a:latin typeface="Calibri" panose="020F0502020204030204"/>
+                <a:ea typeface="+mn-ea"/>
+                <a:cs typeface="+mn-cs"/>
+              </a:rPr>
+              <a:t>[[HEADER]]</a:t>
+            </a:r>
+          </a:p>
+        </p:txBody>
+      </p:sp>
+    </p:spTree>
+    <p:extLst>
+      <p:ext uri="{BB962C8B-B14F-4D97-AF65-F5344CB8AC3E}">
+        <p14:creationId xmlns:p14="http://schemas.microsoft.com/office/powerpoint/2010/main" val="1090669814"/>
+      </p:ext>
+    </p:extLst>
+  </p:cSld>
+  <p:clrMapOvr>
+    <a:masterClrMapping/>
+  </p:clrMapOvr>
+</p:notes>
+</file>
+
+<file path=ppt/notesSlides/notesSlide14.xml><?xml version="1.0" encoding="utf-8"?>
+<p:notes xmlns:a="http://schemas.openxmlformats.org/drawingml/2006/main" xmlns:r="http://schemas.openxmlformats.org/officeDocument/2006/relationships" xmlns:p="http://schemas.openxmlformats.org/presentationml/2006/main">
+  <p:cSld>
+    <p:spTree>
+      <p:nvGrpSpPr>
+        <p:cNvPr id="1" name=""/>
+        <p:cNvGrpSpPr/>
+        <p:nvPr/>
+      </p:nvGrpSpPr>
+      <p:grpSpPr>
+        <a:xfrm>
+          <a:off x="0" y="0"/>
+          <a:ext cx="0" cy="0"/>
+          <a:chOff x="0" y="0"/>
+          <a:chExt cx="0" cy="0"/>
+        </a:xfrm>
+      </p:grpSpPr>
+      <p:sp>
+        <p:nvSpPr>
+          <p:cNvPr id="7" name="Slide Number Placeholder 6"/>
+          <p:cNvSpPr>
+            <a:spLocks noGrp="1"/>
+          </p:cNvSpPr>
+          <p:nvPr>
+            <p:ph type="sldNum" sz="quarter" idx="13"/>
+          </p:nvPr>
+        </p:nvSpPr>
+        <p:spPr/>
+        <p:txBody>
+          <a:bodyPr/>
+          <a:lstStyle/>
+          <a:p>
+            <a:pPr marL="0" marR="0" lvl="0" indent="0" algn="r" defTabSz="914400" rtl="0" eaLnBrk="1" fontAlgn="auto" latinLnBrk="0" hangingPunct="1">
+              <a:lnSpc>
+                <a:spcPct val="100000"/>
+              </a:lnSpc>
+              <a:spcBef>
+                <a:spcPts val="0"/>
+              </a:spcBef>
+              <a:spcAft>
+                <a:spcPts val="0"/>
+              </a:spcAft>
+              <a:buClrTx/>
+              <a:buSzTx/>
+              <a:buFontTx/>
+              <a:buNone/>
+              <a:tabLst/>
+              <a:defRPr/>
+            </a:pPr>
+            <a:fld id="{EC87E0CF-87F6-4B58-B8B8-DCAB2DAAF3CA}" type="slidenum">
+              <a:rPr kumimoji="0" lang="en-US" sz="1200" b="0" i="0" u="none" strike="noStrike" kern="1200" cap="none" spc="0" normalizeH="0" baseline="0" noProof="0">
+                <a:ln>
+                  <a:noFill/>
+                </a:ln>
+                <a:solidFill>
+                  <a:prstClr val="black"/>
+                </a:solidFill>
+                <a:effectLst/>
+                <a:uLnTx/>
+                <a:uFillTx/>
+                <a:latin typeface="Calibri" panose="020F0502020204030204"/>
+                <a:ea typeface="+mn-ea"/>
+                <a:cs typeface="+mn-cs"/>
+              </a:rPr>
+              <a:pPr marL="0" marR="0" lvl="0" indent="0" algn="r" defTabSz="914400" rtl="0" eaLnBrk="1" fontAlgn="auto" latinLnBrk="0" hangingPunct="1">
+                <a:lnSpc>
+                  <a:spcPct val="100000"/>
+                </a:lnSpc>
+                <a:spcBef>
+                  <a:spcPts val="0"/>
+                </a:spcBef>
+                <a:spcAft>
+                  <a:spcPts val="0"/>
+                </a:spcAft>
+                <a:buClrTx/>
+                <a:buSzTx/>
+                <a:buFontTx/>
+                <a:buNone/>
+                <a:tabLst/>
+                <a:defRPr/>
+              </a:pPr>
+              <a:t>19</a:t>
+            </a:fld>
+            <a:endParaRPr kumimoji="0" lang="en-US" sz="1200" b="0" i="0" u="none" strike="noStrike" kern="1200" cap="none" spc="0" normalizeH="0" baseline="0" noProof="0">
+              <a:ln>
+                <a:noFill/>
+              </a:ln>
+              <a:solidFill>
+                <a:prstClr val="black"/>
+              </a:solidFill>
+              <a:effectLst/>
+              <a:uLnTx/>
+              <a:uFillTx/>
+              <a:latin typeface="Calibri" panose="020F0502020204030204"/>
+              <a:ea typeface="+mn-ea"/>
+              <a:cs typeface="+mn-cs"/>
+            </a:endParaRPr>
+          </a:p>
+        </p:txBody>
+      </p:sp>
+      <p:sp>
+        <p:nvSpPr>
+          <p:cNvPr id="3" name="Date Placeholder 2">
+            <a:extLst>
+              <a:ext uri="{FF2B5EF4-FFF2-40B4-BE49-F238E27FC236}">
+                <a16:creationId xmlns:a16="http://schemas.microsoft.com/office/drawing/2014/main" id="{1215B0C0-E5D8-4E46-A54E-EA968C86FB78}"/>
+              </a:ext>
+            </a:extLst>
+          </p:cNvPr>
+          <p:cNvSpPr>
+            <a:spLocks noGrp="1"/>
+          </p:cNvSpPr>
+          <p:nvPr>
+            <p:ph type="dt" idx="15"/>
+          </p:nvPr>
+        </p:nvSpPr>
+        <p:spPr/>
+        <p:txBody>
+          <a:bodyPr/>
+          <a:lstStyle/>
+          <a:p>
+            <a:pPr marL="0" marR="0" lvl="0" indent="0" algn="r" defTabSz="914400" rtl="0" eaLnBrk="1" fontAlgn="auto" latinLnBrk="0" hangingPunct="1">
+              <a:lnSpc>
+                <a:spcPct val="100000"/>
+              </a:lnSpc>
+              <a:spcBef>
+                <a:spcPts val="0"/>
+              </a:spcBef>
+              <a:spcAft>
+                <a:spcPts val="0"/>
+              </a:spcAft>
+              <a:buClrTx/>
+              <a:buSzTx/>
+              <a:buFontTx/>
+              <a:buNone/>
+              <a:tabLst/>
+              <a:defRPr/>
+            </a:pPr>
+            <a:fld id="{6D50A064-0189-4F17-A351-AA3748785BA8}" type="datetime1">
+              <a:rPr kumimoji="0" lang="en-US" sz="1200" b="0" i="0" u="none" strike="noStrike" kern="1200" cap="none" spc="0" normalizeH="0" baseline="0" noProof="0">
+                <a:ln>
+                  <a:noFill/>
+                </a:ln>
+                <a:solidFill>
+                  <a:prstClr val="black"/>
+                </a:solidFill>
+                <a:effectLst/>
+                <a:uLnTx/>
+                <a:uFillTx/>
+                <a:latin typeface="Calibri" panose="020F0502020204030204"/>
+                <a:ea typeface="+mn-ea"/>
+                <a:cs typeface="+mn-cs"/>
+              </a:rPr>
+              <a:pPr marL="0" marR="0" lvl="0" indent="0" algn="r" defTabSz="914400" rtl="0" eaLnBrk="1" fontAlgn="auto" latinLnBrk="0" hangingPunct="1">
+                <a:lnSpc>
+                  <a:spcPct val="100000"/>
+                </a:lnSpc>
+                <a:spcBef>
+                  <a:spcPts val="0"/>
+                </a:spcBef>
+                <a:spcAft>
+                  <a:spcPts val="0"/>
+                </a:spcAft>
+                <a:buClrTx/>
+                <a:buSzTx/>
+                <a:buFontTx/>
+                <a:buNone/>
+                <a:tabLst/>
+                <a:defRPr/>
+              </a:pPr>
+              <a:t>7/9/2023</a:t>
             </a:fld>
             <a:endParaRPr kumimoji="0" lang="en-US" sz="1200" b="0" i="0" u="none" strike="noStrike" kern="1200" cap="none" spc="0" normalizeH="0" baseline="0" noProof="0">
               <a:ln>
@@ -15806,7 +15816,7 @@
                 <a:tabLst/>
                 <a:defRPr/>
               </a:pPr>
-              <a:t>5/28/2023 10:02 AM</a:t>
+              <a:t>7/9/2023 9:44 AM</a:t>
             </a:fld>
             <a:endParaRPr kumimoji="0" lang="en-US" sz="1200" b="0" i="0" u="none" strike="noStrike" kern="1200" cap="none" spc="0" normalizeH="0" baseline="0" noProof="0">
               <a:ln>
@@ -16628,7 +16638,7 @@
                 <a:tabLst/>
                 <a:defRPr/>
               </a:pPr>
-              <a:t>5</a:t>
+              <a:t>6</a:t>
             </a:fld>
             <a:endParaRPr kumimoji="0" lang="en-US" sz="1200" b="0" i="0" u="none" strike="noStrike" kern="1200" cap="none" spc="0" normalizeH="0" baseline="0" noProof="0">
               <a:ln>
@@ -16992,7 +17002,7 @@
           <a:p>
             <a:fld id="{2910A2D9-F064-48EF-99CB-A51108C1AB40}" type="slidenum">
               <a:rPr lang="en-US" noProof="0" smtClean="0"/>
-              <a:t>8</a:t>
+              <a:t>9</a:t>
             </a:fld>
             <a:endParaRPr lang="en-US" noProof="0"/>
           </a:p>
@@ -17343,7 +17353,7 @@
           <a:p>
             <a:fld id="{2910A2D9-F064-48EF-99CB-A51108C1AB40}" type="slidenum">
               <a:rPr lang="en-US" noProof="0" smtClean="0"/>
-              <a:t>9</a:t>
+              <a:t>10</a:t>
             </a:fld>
             <a:endParaRPr lang="en-US" noProof="0"/>
           </a:p>
@@ -17694,7 +17704,7 @@
           <a:p>
             <a:fld id="{2910A2D9-F064-48EF-99CB-A51108C1AB40}" type="slidenum">
               <a:rPr lang="en-US" noProof="0" smtClean="0"/>
-              <a:t>10</a:t>
+              <a:t>11</a:t>
             </a:fld>
             <a:endParaRPr lang="en-US" noProof="0"/>
           </a:p>
@@ -18142,7 +18152,7 @@
           <a:p>
             <a:fld id="{2910A2D9-F064-48EF-99CB-A51108C1AB40}" type="slidenum">
               <a:rPr lang="en-US" noProof="0" smtClean="0"/>
-              <a:t>11</a:t>
+              <a:t>12</a:t>
             </a:fld>
             <a:endParaRPr lang="en-US" noProof="0"/>
           </a:p>
@@ -18894,6 +18904,124 @@
 </file>
 
 <file path=ppt/slideLayouts/slideLayout13.xml><?xml version="1.0" encoding="utf-8"?>
+<p:sldLayout xmlns:a="http://schemas.openxmlformats.org/drawingml/2006/main" xmlns:r="http://schemas.openxmlformats.org/officeDocument/2006/relationships" xmlns:p="http://schemas.openxmlformats.org/presentationml/2006/main" userDrawn="1">
+  <p:cSld name="3_Title and Content">
+    <p:spTree>
+      <p:nvGrpSpPr>
+        <p:cNvPr id="1" name=""/>
+        <p:cNvGrpSpPr/>
+        <p:nvPr/>
+      </p:nvGrpSpPr>
+      <p:grpSpPr>
+        <a:xfrm>
+          <a:off x="0" y="0"/>
+          <a:ext cx="0" cy="0"/>
+          <a:chOff x="0" y="0"/>
+          <a:chExt cx="0" cy="0"/>
+        </a:xfrm>
+      </p:grpSpPr>
+      <p:sp>
+        <p:nvSpPr>
+          <p:cNvPr id="4" name="Text Placeholder 3"/>
+          <p:cNvSpPr>
+            <a:spLocks noGrp="1"/>
+          </p:cNvSpPr>
+          <p:nvPr>
+            <p:ph type="body" sz="quarter" idx="10"/>
+          </p:nvPr>
+        </p:nvSpPr>
+        <p:spPr>
+          <a:xfrm>
+            <a:off x="269239" y="1189177"/>
+            <a:ext cx="11653523" cy="1985641"/>
+          </a:xfrm>
+        </p:spPr>
+        <p:txBody>
+          <a:bodyPr>
+            <a:spAutoFit/>
+          </a:bodyPr>
+          <a:lstStyle>
+            <a:lvl1pPr>
+              <a:defRPr sz="3529"/>
+            </a:lvl1pPr>
+          </a:lstStyle>
+          <a:p>
+            <a:pPr lvl="0"/>
+            <a:r>
+              <a:rPr lang="en-US"/>
+              <a:t>Edit Master text styles</a:t>
+            </a:r>
+          </a:p>
+          <a:p>
+            <a:pPr lvl="1"/>
+            <a:r>
+              <a:rPr lang="en-US"/>
+              <a:t>Second level</a:t>
+            </a:r>
+          </a:p>
+          <a:p>
+            <a:pPr lvl="2"/>
+            <a:r>
+              <a:rPr lang="en-US"/>
+              <a:t>Third level</a:t>
+            </a:r>
+          </a:p>
+          <a:p>
+            <a:pPr lvl="3"/>
+            <a:r>
+              <a:rPr lang="en-US"/>
+              <a:t>Fourth level</a:t>
+            </a:r>
+          </a:p>
+          <a:p>
+            <a:pPr lvl="4"/>
+            <a:r>
+              <a:rPr lang="en-US"/>
+              <a:t>Fifth level</a:t>
+            </a:r>
+            <a:endParaRPr lang="en-US" dirty="0"/>
+          </a:p>
+        </p:txBody>
+      </p:sp>
+      <p:sp>
+        <p:nvSpPr>
+          <p:cNvPr id="6" name="Title 5"/>
+          <p:cNvSpPr>
+            <a:spLocks noGrp="1"/>
+          </p:cNvSpPr>
+          <p:nvPr>
+            <p:ph type="title"/>
+          </p:nvPr>
+        </p:nvSpPr>
+        <p:spPr/>
+        <p:txBody>
+          <a:bodyPr/>
+          <a:lstStyle/>
+          <a:p>
+            <a:r>
+              <a:rPr lang="en-US"/>
+              <a:t>Click to edit Master title style</a:t>
+            </a:r>
+          </a:p>
+        </p:txBody>
+      </p:sp>
+    </p:spTree>
+    <p:extLst>
+      <p:ext uri="{BB962C8B-B14F-4D97-AF65-F5344CB8AC3E}">
+        <p14:creationId xmlns:p14="http://schemas.microsoft.com/office/powerpoint/2010/main" val="1134321792"/>
+      </p:ext>
+    </p:extLst>
+  </p:cSld>
+  <p:clrMapOvr>
+    <a:masterClrMapping/>
+  </p:clrMapOvr>
+  <p:transition>
+    <p:fade/>
+  </p:transition>
+</p:sldLayout>
+</file>
+
+<file path=ppt/slideLayouts/slideLayout14.xml><?xml version="1.0" encoding="utf-8"?>
 <p:sldLayout xmlns:a="http://schemas.openxmlformats.org/drawingml/2006/main" xmlns:r="http://schemas.openxmlformats.org/officeDocument/2006/relationships" xmlns:p="http://schemas.openxmlformats.org/presentationml/2006/main" preserve="1" userDrawn="1">
   <p:cSld name="Title Only">
     <p:spTree>
@@ -18955,7 +19083,7 @@
 </p:sldLayout>
 </file>
 
-<file path=ppt/slideLayouts/slideLayout14.xml><?xml version="1.0" encoding="utf-8"?>
+<file path=ppt/slideLayouts/slideLayout15.xml><?xml version="1.0" encoding="utf-8"?>
 <p:sldLayout xmlns:a="http://schemas.openxmlformats.org/drawingml/2006/main" xmlns:r="http://schemas.openxmlformats.org/officeDocument/2006/relationships" xmlns:p="http://schemas.openxmlformats.org/presentationml/2006/main" userDrawn="1">
   <p:cSld name="8_Title Slide 3">
     <p:bg>
@@ -20929,7 +21057,7 @@
           <p:nvPr userDrawn="1"/>
         </p:nvPicPr>
         <p:blipFill>
-          <a:blip r:embed="rId14" cstate="screen">
+          <a:blip r:embed="rId15" cstate="screen">
             <a:extLst>
               <a:ext uri="{28A0092B-C50C-407E-A947-70E740481C1C}">
                 <a14:useLocalDpi xmlns:a14="http://schemas.microsoft.com/office/drawing/2010/main"/>
@@ -20965,7 +21093,7 @@
           <p:nvPr userDrawn="1"/>
         </p:nvPicPr>
         <p:blipFill>
-          <a:blip r:embed="rId15" cstate="screen">
+          <a:blip r:embed="rId16" cstate="screen">
             <a:extLst>
               <a:ext uri="{28A0092B-C50C-407E-A947-70E740481C1C}">
                 <a14:useLocalDpi xmlns:a14="http://schemas.microsoft.com/office/drawing/2010/main"/>
@@ -21007,6 +21135,7 @@
     <p:sldLayoutId id="2147485377" r:id="rId10"/>
     <p:sldLayoutId id="2147485379" r:id="rId11"/>
     <p:sldLayoutId id="2147485435" r:id="rId12"/>
+    <p:sldLayoutId id="2147485439" r:id="rId13"/>
   </p:sldLayoutIdLst>
   <p:transition>
     <p:fade/>
@@ -22107,6 +22236,197 @@
           <a:chExt cx="0" cy="0"/>
         </a:xfrm>
       </p:grpSpPr>
+      <p:pic>
+        <p:nvPicPr>
+          <p:cNvPr id="4" name="Picture 3">
+            <a:extLst>
+              <a:ext uri="{FF2B5EF4-FFF2-40B4-BE49-F238E27FC236}">
+                <a16:creationId xmlns:a16="http://schemas.microsoft.com/office/drawing/2014/main" id="{6161504A-FF00-9714-5B11-FC3861BFB7B9}"/>
+              </a:ext>
+            </a:extLst>
+          </p:cNvPr>
+          <p:cNvPicPr>
+            <a:picLocks noChangeAspect="1"/>
+          </p:cNvPicPr>
+          <p:nvPr/>
+        </p:nvPicPr>
+        <p:blipFill>
+          <a:blip r:embed="rId3"/>
+          <a:stretch>
+            <a:fillRect/>
+          </a:stretch>
+        </p:blipFill>
+        <p:spPr>
+          <a:xfrm>
+            <a:off x="342405" y="1082210"/>
+            <a:ext cx="7529682" cy="4693579"/>
+          </a:xfrm>
+          <a:prstGeom prst="rect">
+            <a:avLst/>
+          </a:prstGeom>
+          <a:ln>
+            <a:noFill/>
+          </a:ln>
+          <a:effectLst>
+            <a:outerShdw blurRad="190500" algn="tl" rotWithShape="0">
+              <a:srgbClr val="000000">
+                <a:alpha val="70000"/>
+              </a:srgbClr>
+            </a:outerShdw>
+          </a:effectLst>
+        </p:spPr>
+      </p:pic>
+      <p:sp>
+        <p:nvSpPr>
+          <p:cNvPr id="2" name="Title 1">
+            <a:extLst>
+              <a:ext uri="{FF2B5EF4-FFF2-40B4-BE49-F238E27FC236}">
+                <a16:creationId xmlns:a16="http://schemas.microsoft.com/office/drawing/2014/main" id="{EB67312A-9819-43C6-8D84-D9136E6CFFCC}"/>
+              </a:ext>
+            </a:extLst>
+          </p:cNvPr>
+          <p:cNvSpPr>
+            <a:spLocks noGrp="1"/>
+          </p:cNvSpPr>
+          <p:nvPr>
+            <p:ph type="title"/>
+          </p:nvPr>
+        </p:nvSpPr>
+        <p:spPr>
+          <a:xfrm>
+            <a:off x="465666" y="271124"/>
+            <a:ext cx="10880725" cy="461665"/>
+          </a:xfrm>
+          <a:prstGeom prst="rect">
+            <a:avLst/>
+          </a:prstGeom>
+          <a:ln>
+            <a:noFill/>
+          </a:ln>
+        </p:spPr>
+        <p:txBody>
+          <a:bodyPr wrap="square" anchor="t">
+            <a:normAutofit/>
+          </a:bodyPr>
+          <a:lstStyle/>
+          <a:p>
+            <a:r>
+              <a:rPr lang="en-US" dirty="0"/>
+              <a:t>Key Lookup </a:t>
+            </a:r>
+          </a:p>
+        </p:txBody>
+      </p:sp>
+      <p:pic>
+        <p:nvPicPr>
+          <p:cNvPr id="5" name="Picture 4">
+            <a:extLst>
+              <a:ext uri="{FF2B5EF4-FFF2-40B4-BE49-F238E27FC236}">
+                <a16:creationId xmlns:a16="http://schemas.microsoft.com/office/drawing/2014/main" id="{2BA5FAAE-4D18-5CE9-B24D-CE23C29F5C3D}"/>
+              </a:ext>
+            </a:extLst>
+          </p:cNvPr>
+          <p:cNvPicPr>
+            <a:picLocks noChangeAspect="1"/>
+          </p:cNvPicPr>
+          <p:nvPr/>
+        </p:nvPicPr>
+        <p:blipFill>
+          <a:blip r:embed="rId4"/>
+          <a:stretch>
+            <a:fillRect/>
+          </a:stretch>
+        </p:blipFill>
+        <p:spPr>
+          <a:xfrm>
+            <a:off x="6478611" y="3924396"/>
+            <a:ext cx="5370984" cy="2381582"/>
+          </a:xfrm>
+          <a:prstGeom prst="rect">
+            <a:avLst/>
+          </a:prstGeom>
+          <a:ln>
+            <a:noFill/>
+          </a:ln>
+          <a:effectLst>
+            <a:outerShdw blurRad="190500" algn="tl" rotWithShape="0">
+              <a:srgbClr val="000000">
+                <a:alpha val="70000"/>
+              </a:srgbClr>
+            </a:outerShdw>
+          </a:effectLst>
+        </p:spPr>
+      </p:pic>
+      <p:pic>
+        <p:nvPicPr>
+          <p:cNvPr id="7" name="Picture 6">
+            <a:extLst>
+              <a:ext uri="{FF2B5EF4-FFF2-40B4-BE49-F238E27FC236}">
+                <a16:creationId xmlns:a16="http://schemas.microsoft.com/office/drawing/2014/main" id="{5D8E6B07-57FC-4558-8130-C69BD5AC82BD}"/>
+              </a:ext>
+            </a:extLst>
+          </p:cNvPr>
+          <p:cNvPicPr>
+            <a:picLocks noChangeAspect="1"/>
+          </p:cNvPicPr>
+          <p:nvPr/>
+        </p:nvPicPr>
+        <p:blipFill>
+          <a:blip r:embed="rId5"/>
+          <a:stretch>
+            <a:fillRect/>
+          </a:stretch>
+        </p:blipFill>
+        <p:spPr>
+          <a:xfrm>
+            <a:off x="6478611" y="1984310"/>
+            <a:ext cx="5370984" cy="1409897"/>
+          </a:xfrm>
+          <a:prstGeom prst="rect">
+            <a:avLst/>
+          </a:prstGeom>
+          <a:ln>
+            <a:noFill/>
+          </a:ln>
+          <a:effectLst>
+            <a:outerShdw blurRad="190500" algn="tl" rotWithShape="0">
+              <a:srgbClr val="000000">
+                <a:alpha val="70000"/>
+              </a:srgbClr>
+            </a:outerShdw>
+          </a:effectLst>
+        </p:spPr>
+      </p:pic>
+    </p:spTree>
+    <p:extLst>
+      <p:ext uri="{BB962C8B-B14F-4D97-AF65-F5344CB8AC3E}">
+        <p14:creationId xmlns:p14="http://schemas.microsoft.com/office/powerpoint/2010/main" val="1798669617"/>
+      </p:ext>
+    </p:extLst>
+  </p:cSld>
+  <p:clrMapOvr>
+    <a:masterClrMapping/>
+  </p:clrMapOvr>
+</p:sld>
+</file>
+
+<file path=ppt/slides/slide11.xml><?xml version="1.0" encoding="utf-8"?>
+<p:sld xmlns:a="http://schemas.openxmlformats.org/drawingml/2006/main" xmlns:r="http://schemas.openxmlformats.org/officeDocument/2006/relationships" xmlns:p="http://schemas.openxmlformats.org/presentationml/2006/main">
+  <p:cSld>
+    <p:spTree>
+      <p:nvGrpSpPr>
+        <p:cNvPr id="1" name=""/>
+        <p:cNvGrpSpPr/>
+        <p:nvPr/>
+      </p:nvGrpSpPr>
+      <p:grpSpPr>
+        <a:xfrm>
+          <a:off x="0" y="0"/>
+          <a:ext cx="0" cy="0"/>
+          <a:chOff x="0" y="0"/>
+          <a:chExt cx="0" cy="0"/>
+        </a:xfrm>
+      </p:grpSpPr>
       <p:sp>
         <p:nvSpPr>
           <p:cNvPr id="2" name="Title 1">
@@ -22241,7 +22561,7 @@
 </p:sld>
 </file>
 
-<file path=ppt/slides/slide11.xml><?xml version="1.0" encoding="utf-8"?>
+<file path=ppt/slides/slide12.xml><?xml version="1.0" encoding="utf-8"?>
 <p:sld xmlns:a="http://schemas.openxmlformats.org/drawingml/2006/main" xmlns:r="http://schemas.openxmlformats.org/officeDocument/2006/relationships" xmlns:p="http://schemas.openxmlformats.org/presentationml/2006/main">
   <p:cSld>
     <p:spTree>
@@ -22330,7 +22650,7 @@
 </p:sld>
 </file>
 
-<file path=ppt/slides/slide12.xml><?xml version="1.0" encoding="utf-8"?>
+<file path=ppt/slides/slide13.xml><?xml version="1.0" encoding="utf-8"?>
 <p:sld xmlns:a="http://schemas.openxmlformats.org/drawingml/2006/main" xmlns:r="http://schemas.openxmlformats.org/officeDocument/2006/relationships" xmlns:p="http://schemas.openxmlformats.org/presentationml/2006/main">
   <p:cSld>
     <p:spTree>
@@ -22414,7 +22734,7 @@
 </p:sld>
 </file>
 
-<file path=ppt/slides/slide13.xml><?xml version="1.0" encoding="utf-8"?>
+<file path=ppt/slides/slide14.xml><?xml version="1.0" encoding="utf-8"?>
 <p:sld xmlns:a="http://schemas.openxmlformats.org/drawingml/2006/main" xmlns:r="http://schemas.openxmlformats.org/officeDocument/2006/relationships" xmlns:p="http://schemas.openxmlformats.org/presentationml/2006/main">
   <p:cSld>
     <p:spTree>
@@ -23182,7 +23502,7 @@
 </p:sld>
 </file>
 
-<file path=ppt/slides/slide14.xml><?xml version="1.0" encoding="utf-8"?>
+<file path=ppt/slides/slide15.xml><?xml version="1.0" encoding="utf-8"?>
 <p:sld xmlns:a="http://schemas.openxmlformats.org/drawingml/2006/main" xmlns:r="http://schemas.openxmlformats.org/officeDocument/2006/relationships" xmlns:p="http://schemas.openxmlformats.org/presentationml/2006/main">
   <p:cSld>
     <p:spTree>
@@ -24030,7 +24350,7 @@
 </p:sld>
 </file>
 
-<file path=ppt/slides/slide15.xml><?xml version="1.0" encoding="utf-8"?>
+<file path=ppt/slides/slide16.xml><?xml version="1.0" encoding="utf-8"?>
 <p:sld xmlns:a="http://schemas.openxmlformats.org/drawingml/2006/main" xmlns:r="http://schemas.openxmlformats.org/officeDocument/2006/relationships" xmlns:p="http://schemas.openxmlformats.org/presentationml/2006/main">
   <p:cSld>
     <p:spTree>
@@ -24378,7 +24698,7 @@
 </p:sld>
 </file>
 
-<file path=ppt/slides/slide16.xml><?xml version="1.0" encoding="utf-8"?>
+<file path=ppt/slides/slide17.xml><?xml version="1.0" encoding="utf-8"?>
 <p:sld xmlns:a="http://schemas.openxmlformats.org/drawingml/2006/main" xmlns:r="http://schemas.openxmlformats.org/officeDocument/2006/relationships" xmlns:p="http://schemas.openxmlformats.org/presentationml/2006/main">
   <p:cSld>
     <p:spTree>
@@ -24536,6 +24856,13 @@
               <a:schemeClr val="lt1"/>
             </a:fontRef>
           </p:style>
+          <p:txBody>
+            <a:bodyPr/>
+            <a:lstStyle/>
+            <a:p>
+              <a:endParaRPr lang="en-US"/>
+            </a:p>
+          </p:txBody>
         </p:sp>
         <p:sp>
           <p:nvSpPr>
@@ -24620,7 +24947,7 @@
 </p:sld>
 </file>
 
-<file path=ppt/slides/slide17.xml><?xml version="1.0" encoding="utf-8"?>
+<file path=ppt/slides/slide18.xml><?xml version="1.0" encoding="utf-8"?>
 <p:sld xmlns:a="http://schemas.openxmlformats.org/drawingml/2006/main" xmlns:r="http://schemas.openxmlformats.org/officeDocument/2006/relationships" xmlns:p="http://schemas.openxmlformats.org/presentationml/2006/main">
   <p:cSld>
     <p:spTree>
@@ -24690,7 +25017,7 @@
 </p:sld>
 </file>
 
-<file path=ppt/slides/slide18.xml><?xml version="1.0" encoding="utf-8"?>
+<file path=ppt/slides/slide19.xml><?xml version="1.0" encoding="utf-8"?>
 <p:sld xmlns:a="http://schemas.openxmlformats.org/drawingml/2006/main" xmlns:r="http://schemas.openxmlformats.org/officeDocument/2006/relationships" xmlns:p="http://schemas.openxmlformats.org/presentationml/2006/main">
   <p:cSld>
     <p:spTree>
@@ -26136,6 +26463,401 @@
           <a:chExt cx="0" cy="0"/>
         </a:xfrm>
       </p:grpSpPr>
+      <p:pic>
+        <p:nvPicPr>
+          <p:cNvPr id="5" name="Picture 4">
+            <a:extLst>
+              <a:ext uri="{FF2B5EF4-FFF2-40B4-BE49-F238E27FC236}">
+                <a16:creationId xmlns:a16="http://schemas.microsoft.com/office/drawing/2014/main" id="{0244F0C0-800C-4CF4-B37B-B6BE787F6327}"/>
+              </a:ext>
+            </a:extLst>
+          </p:cNvPr>
+          <p:cNvPicPr>
+            <a:picLocks/>
+          </p:cNvPicPr>
+          <p:nvPr/>
+        </p:nvPicPr>
+        <p:blipFill>
+          <a:blip r:embed="rId2"/>
+          <a:stretch>
+            <a:fillRect/>
+          </a:stretch>
+        </p:blipFill>
+        <p:spPr>
+          <a:xfrm>
+            <a:off x="2872135" y="818311"/>
+            <a:ext cx="7708392" cy="5698009"/>
+          </a:xfrm>
+          <a:prstGeom prst="rect">
+            <a:avLst/>
+          </a:prstGeom>
+        </p:spPr>
+      </p:pic>
+      <p:sp>
+        <p:nvSpPr>
+          <p:cNvPr id="6" name="Title 1">
+            <a:extLst>
+              <a:ext uri="{FF2B5EF4-FFF2-40B4-BE49-F238E27FC236}">
+                <a16:creationId xmlns:a16="http://schemas.microsoft.com/office/drawing/2014/main" id="{E3FB77CC-0D57-4C87-BEEB-C19D6C29A551}"/>
+              </a:ext>
+            </a:extLst>
+          </p:cNvPr>
+          <p:cNvSpPr>
+            <a:spLocks noGrp="1"/>
+          </p:cNvSpPr>
+          <p:nvPr>
+            <p:ph type="title"/>
+          </p:nvPr>
+        </p:nvSpPr>
+        <p:spPr>
+          <a:xfrm>
+            <a:off x="386184" y="170840"/>
+            <a:ext cx="10880725" cy="461665"/>
+          </a:xfrm>
+          <a:prstGeom prst="rect">
+            <a:avLst/>
+          </a:prstGeom>
+          <a:ln>
+            <a:noFill/>
+          </a:ln>
+        </p:spPr>
+        <p:txBody>
+          <a:bodyPr wrap="square" anchor="t">
+            <a:noAutofit/>
+          </a:bodyPr>
+          <a:lstStyle/>
+          <a:p>
+            <a:r>
+              <a:rPr lang="en-US" sz="3200" dirty="0">
+                <a:gradFill flip="none" rotWithShape="1">
+                  <a:gsLst>
+                    <a:gs pos="1250">
+                      <a:srgbClr val="44546A"/>
+                    </a:gs>
+                    <a:gs pos="100000">
+                      <a:schemeClr val="tx1"/>
+                    </a:gs>
+                  </a:gsLst>
+                  <a:lin ang="5400000" scaled="0"/>
+                  <a:tileRect/>
+                </a:gradFill>
+                <a:latin typeface="Segoe UI Semibold" panose="020B0702040204020203" pitchFamily="34" charset="0"/>
+              </a:rPr>
+              <a:t>Clustered Index Structure</a:t>
+            </a:r>
+          </a:p>
+        </p:txBody>
+      </p:sp>
+      <p:sp>
+        <p:nvSpPr>
+          <p:cNvPr id="7" name="Rectangle 6">
+            <a:extLst>
+              <a:ext uri="{FF2B5EF4-FFF2-40B4-BE49-F238E27FC236}">
+                <a16:creationId xmlns:a16="http://schemas.microsoft.com/office/drawing/2014/main" id="{0D9C03E4-2EF0-4C26-AD8F-E84CBE562A02}"/>
+              </a:ext>
+            </a:extLst>
+          </p:cNvPr>
+          <p:cNvSpPr/>
+          <p:nvPr/>
+        </p:nvSpPr>
+        <p:spPr bwMode="auto">
+          <a:xfrm>
+            <a:off x="2714889" y="4740258"/>
+            <a:ext cx="7956459" cy="1946902"/>
+          </a:xfrm>
+          <a:prstGeom prst="rect">
+            <a:avLst/>
+          </a:prstGeom>
+          <a:solidFill>
+            <a:schemeClr val="tx2">
+              <a:lumMod val="40000"/>
+              <a:lumOff val="60000"/>
+              <a:alpha val="19000"/>
+            </a:schemeClr>
+          </a:solidFill>
+          <a:ln w="41275">
+            <a:solidFill>
+              <a:srgbClr val="D83B01"/>
+            </a:solidFill>
+            <a:headEnd type="none" w="med" len="med"/>
+            <a:tailEnd type="none" w="med" len="med"/>
+          </a:ln>
+          <a:effectLst/>
+        </p:spPr>
+        <p:style>
+          <a:lnRef idx="1">
+            <a:schemeClr val="accent2"/>
+          </a:lnRef>
+          <a:fillRef idx="3">
+            <a:schemeClr val="accent2"/>
+          </a:fillRef>
+          <a:effectRef idx="2">
+            <a:schemeClr val="accent2"/>
+          </a:effectRef>
+          <a:fontRef idx="minor">
+            <a:schemeClr val="lt1"/>
+          </a:fontRef>
+        </p:style>
+        <p:txBody>
+          <a:bodyPr rot="0" spcFirstLastPara="0" vertOverflow="overflow" horzOverflow="overflow" vert="horz" wrap="square" lIns="155448" tIns="155448" rIns="155448" bIns="155448" numCol="1" spcCol="0" rtlCol="0" fromWordArt="0" anchor="t" anchorCtr="0" forceAA="0" compatLnSpc="1">
+            <a:prstTxWarp prst="textNoShape">
+              <a:avLst/>
+            </a:prstTxWarp>
+            <a:noAutofit/>
+          </a:bodyPr>
+          <a:lstStyle/>
+          <a:p>
+            <a:pPr algn="l" defTabSz="932472" fontAlgn="base">
+              <a:spcBef>
+                <a:spcPct val="0"/>
+              </a:spcBef>
+              <a:spcAft>
+                <a:spcPct val="0"/>
+              </a:spcAft>
+            </a:pPr>
+            <a:endParaRPr lang="en-US" sz="2000">
+              <a:gradFill>
+                <a:gsLst>
+                  <a:gs pos="0">
+                    <a:srgbClr val="FFFFFF"/>
+                  </a:gs>
+                  <a:gs pos="100000">
+                    <a:srgbClr val="FFFFFF"/>
+                  </a:gs>
+                </a:gsLst>
+                <a:lin ang="5400000" scaled="0"/>
+              </a:gradFill>
+              <a:ea typeface="Segoe UI" pitchFamily="34" charset="0"/>
+              <a:cs typeface="Segoe UI" pitchFamily="34" charset="0"/>
+            </a:endParaRPr>
+          </a:p>
+        </p:txBody>
+      </p:sp>
+      <p:sp>
+        <p:nvSpPr>
+          <p:cNvPr id="9" name="Speech Bubble: Rectangle with Corners Rounded 8">
+            <a:extLst>
+              <a:ext uri="{FF2B5EF4-FFF2-40B4-BE49-F238E27FC236}">
+                <a16:creationId xmlns:a16="http://schemas.microsoft.com/office/drawing/2014/main" id="{CE8E84EC-8D10-4B3B-BD44-CD19D440CDE6}"/>
+              </a:ext>
+            </a:extLst>
+          </p:cNvPr>
+          <p:cNvSpPr/>
+          <p:nvPr/>
+        </p:nvSpPr>
+        <p:spPr bwMode="auto">
+          <a:xfrm>
+            <a:off x="657489" y="2940645"/>
+            <a:ext cx="2057400" cy="1229490"/>
+          </a:xfrm>
+          <a:prstGeom prst="wedgeRoundRectCallout">
+            <a:avLst>
+              <a:gd name="adj1" fmla="val 60915"/>
+              <a:gd name="adj2" fmla="val 112165"/>
+              <a:gd name="adj3" fmla="val 16667"/>
+            </a:avLst>
+          </a:prstGeom>
+          <a:solidFill>
+            <a:srgbClr val="569AD2"/>
+          </a:solidFill>
+          <a:ln>
+            <a:noFill/>
+            <a:headEnd type="none" w="med" len="med"/>
+            <a:tailEnd type="none" w="med" len="med"/>
+          </a:ln>
+          <a:effectLst/>
+        </p:spPr>
+        <p:style>
+          <a:lnRef idx="1">
+            <a:schemeClr val="accent2"/>
+          </a:lnRef>
+          <a:fillRef idx="3">
+            <a:schemeClr val="accent2"/>
+          </a:fillRef>
+          <a:effectRef idx="2">
+            <a:schemeClr val="accent2"/>
+          </a:effectRef>
+          <a:fontRef idx="minor">
+            <a:schemeClr val="lt1"/>
+          </a:fontRef>
+        </p:style>
+        <p:txBody>
+          <a:bodyPr rot="0" spcFirstLastPara="0" vertOverflow="overflow" horzOverflow="overflow" vert="horz" wrap="square" lIns="155448" tIns="155448" rIns="155448" bIns="155448" numCol="1" spcCol="0" rtlCol="0" fromWordArt="0" anchor="t" anchorCtr="0" forceAA="0" compatLnSpc="1">
+            <a:prstTxWarp prst="textNoShape">
+              <a:avLst/>
+            </a:prstTxWarp>
+            <a:noAutofit/>
+          </a:bodyPr>
+          <a:lstStyle/>
+          <a:p>
+            <a:pPr algn="ctr" defTabSz="932472" fontAlgn="base">
+              <a:spcBef>
+                <a:spcPct val="0"/>
+              </a:spcBef>
+              <a:spcAft>
+                <a:spcPct val="0"/>
+              </a:spcAft>
+            </a:pPr>
+            <a:r>
+              <a:rPr lang="en-US" sz="2000" b="1" dirty="0">
+                <a:gradFill>
+                  <a:gsLst>
+                    <a:gs pos="0">
+                      <a:srgbClr val="FFFFFF"/>
+                    </a:gs>
+                    <a:gs pos="100000">
+                      <a:srgbClr val="FFFFFF"/>
+                    </a:gs>
+                  </a:gsLst>
+                  <a:lin ang="5400000" scaled="0"/>
+                </a:gradFill>
+                <a:ea typeface="Segoe UI" pitchFamily="34" charset="0"/>
+                <a:cs typeface="Segoe UI" pitchFamily="34" charset="0"/>
+              </a:rPr>
+              <a:t>Leaf Node Contains Data Pages</a:t>
+            </a:r>
+          </a:p>
+        </p:txBody>
+      </p:sp>
+    </p:spTree>
+    <p:extLst>
+      <p:ext uri="{BB962C8B-B14F-4D97-AF65-F5344CB8AC3E}">
+        <p14:creationId xmlns:p14="http://schemas.microsoft.com/office/powerpoint/2010/main" val="3393039039"/>
+      </p:ext>
+    </p:extLst>
+  </p:cSld>
+  <p:clrMapOvr>
+    <a:masterClrMapping/>
+  </p:clrMapOvr>
+  <p:transition>
+    <p:fade/>
+  </p:transition>
+  <p:timing>
+    <p:tnLst>
+      <p:par>
+        <p:cTn id="1" dur="indefinite" restart="never" nodeType="tmRoot">
+          <p:childTnLst>
+            <p:seq concurrent="1" nextAc="seek">
+              <p:cTn id="2" dur="indefinite" nodeType="mainSeq">
+                <p:childTnLst>
+                  <p:par>
+                    <p:cTn id="3" fill="hold">
+                      <p:stCondLst>
+                        <p:cond delay="indefinite"/>
+                      </p:stCondLst>
+                      <p:childTnLst>
+                        <p:par>
+                          <p:cTn id="4" fill="hold">
+                            <p:stCondLst>
+                              <p:cond delay="0"/>
+                            </p:stCondLst>
+                            <p:childTnLst>
+                              <p:par>
+                                <p:cTn id="5" presetID="1" presetClass="entr" presetSubtype="0" fill="hold" grpId="0" nodeType="clickEffect">
+                                  <p:stCondLst>
+                                    <p:cond delay="0"/>
+                                  </p:stCondLst>
+                                  <p:childTnLst>
+                                    <p:set>
+                                      <p:cBhvr>
+                                        <p:cTn id="6" dur="1" fill="hold">
+                                          <p:stCondLst>
+                                            <p:cond delay="0"/>
+                                          </p:stCondLst>
+                                        </p:cTn>
+                                        <p:tgtEl>
+                                          <p:spTgt spid="7"/>
+                                        </p:tgtEl>
+                                        <p:attrNameLst>
+                                          <p:attrName>style.visibility</p:attrName>
+                                        </p:attrNameLst>
+                                      </p:cBhvr>
+                                      <p:to>
+                                        <p:strVal val="visible"/>
+                                      </p:to>
+                                    </p:set>
+                                  </p:childTnLst>
+                                </p:cTn>
+                              </p:par>
+                              <p:par>
+                                <p:cTn id="7" presetID="1" presetClass="entr" presetSubtype="0" fill="hold" grpId="0" nodeType="withEffect">
+                                  <p:stCondLst>
+                                    <p:cond delay="0"/>
+                                  </p:stCondLst>
+                                  <p:childTnLst>
+                                    <p:set>
+                                      <p:cBhvr>
+                                        <p:cTn id="8" dur="1" fill="hold">
+                                          <p:stCondLst>
+                                            <p:cond delay="0"/>
+                                          </p:stCondLst>
+                                        </p:cTn>
+                                        <p:tgtEl>
+                                          <p:spTgt spid="9"/>
+                                        </p:tgtEl>
+                                        <p:attrNameLst>
+                                          <p:attrName>style.visibility</p:attrName>
+                                        </p:attrNameLst>
+                                      </p:cBhvr>
+                                      <p:to>
+                                        <p:strVal val="visible"/>
+                                      </p:to>
+                                    </p:set>
+                                  </p:childTnLst>
+                                </p:cTn>
+                              </p:par>
+                            </p:childTnLst>
+                          </p:cTn>
+                        </p:par>
+                      </p:childTnLst>
+                    </p:cTn>
+                  </p:par>
+                </p:childTnLst>
+              </p:cTn>
+              <p:prevCondLst>
+                <p:cond evt="onPrev" delay="0">
+                  <p:tgtEl>
+                    <p:sldTgt/>
+                  </p:tgtEl>
+                </p:cond>
+              </p:prevCondLst>
+              <p:nextCondLst>
+                <p:cond evt="onNext" delay="0">
+                  <p:tgtEl>
+                    <p:sldTgt/>
+                  </p:tgtEl>
+                </p:cond>
+              </p:nextCondLst>
+            </p:seq>
+          </p:childTnLst>
+        </p:cTn>
+      </p:par>
+    </p:tnLst>
+    <p:bldLst>
+      <p:bldP spid="7" grpId="0" animBg="1"/>
+      <p:bldP spid="9" grpId="0" animBg="1"/>
+    </p:bldLst>
+  </p:timing>
+</p:sld>
+</file>
+
+<file path=ppt/slides/slide6.xml><?xml version="1.0" encoding="utf-8"?>
+<p:sld xmlns:a="http://schemas.openxmlformats.org/drawingml/2006/main" xmlns:r="http://schemas.openxmlformats.org/officeDocument/2006/relationships" xmlns:p="http://schemas.openxmlformats.org/presentationml/2006/main">
+  <p:cSld>
+    <p:spTree>
+      <p:nvGrpSpPr>
+        <p:cNvPr id="1" name=""/>
+        <p:cNvGrpSpPr/>
+        <p:nvPr/>
+      </p:nvGrpSpPr>
+      <p:grpSpPr>
+        <a:xfrm>
+          <a:off x="0" y="0"/>
+          <a:ext cx="0" cy="0"/>
+          <a:chOff x="0" y="0"/>
+          <a:chExt cx="0" cy="0"/>
+        </a:xfrm>
+      </p:grpSpPr>
       <p:sp>
         <p:nvSpPr>
           <p:cNvPr id="2" name="Title 1"/>
@@ -26204,7 +26926,7 @@
 </p:sld>
 </file>
 
-<file path=ppt/slides/slide6.xml><?xml version="1.0" encoding="utf-8"?>
+<file path=ppt/slides/slide7.xml><?xml version="1.0" encoding="utf-8"?>
 <p:sld xmlns:a="http://schemas.openxmlformats.org/drawingml/2006/main" xmlns:r="http://schemas.openxmlformats.org/officeDocument/2006/relationships" xmlns:p="http://schemas.openxmlformats.org/presentationml/2006/main">
   <p:cSld>
     <p:spTree>
@@ -26743,7 +27465,7 @@
 </p:sld>
 </file>
 
-<file path=ppt/slides/slide7.xml><?xml version="1.0" encoding="utf-8"?>
+<file path=ppt/slides/slide8.xml><?xml version="1.0" encoding="utf-8"?>
 <p:sld xmlns:a="http://schemas.openxmlformats.org/drawingml/2006/main" xmlns:r="http://schemas.openxmlformats.org/officeDocument/2006/relationships" xmlns:p="http://schemas.openxmlformats.org/presentationml/2006/main">
   <p:cSld>
     <p:spTree>
@@ -26860,9 +27582,9 @@
         <p:grpSpPr>
           <a:xfrm>
             <a:off x="1292014" y="1347087"/>
-            <a:ext cx="9427102" cy="5067755"/>
+            <a:ext cx="9427102" cy="5421698"/>
             <a:chOff x="1302062" y="1136071"/>
-            <a:chExt cx="9427102" cy="5067755"/>
+            <a:chExt cx="9427102" cy="5421698"/>
           </a:xfrm>
         </p:grpSpPr>
         <p:grpSp>
@@ -26880,9 +27602,9 @@
           <p:grpSpPr>
             <a:xfrm>
               <a:off x="1302062" y="1136071"/>
-              <a:ext cx="2775094" cy="2095827"/>
+              <a:ext cx="2775094" cy="2449770"/>
               <a:chOff x="1302062" y="1136071"/>
-              <a:chExt cx="2775094" cy="2095827"/>
+              <a:chExt cx="2775094" cy="2449770"/>
             </a:xfrm>
           </p:grpSpPr>
           <p:pic>
@@ -26930,7 +27652,7 @@
             <p:spPr>
               <a:xfrm>
                 <a:off x="1302062" y="2659434"/>
-                <a:ext cx="2775094" cy="572464"/>
+                <a:ext cx="2775094" cy="926407"/>
               </a:xfrm>
               <a:prstGeom prst="rect">
                 <a:avLst/>
@@ -26968,6 +27690,32 @@
                   <a:t>Non-Clustered Index</a:t>
                 </a:r>
               </a:p>
+              <a:p>
+                <a:pPr algn="ctr">
+                  <a:lnSpc>
+                    <a:spcPct val="90000"/>
+                  </a:lnSpc>
+                  <a:spcAft>
+                    <a:spcPts val="600"/>
+                  </a:spcAft>
+                </a:pPr>
+                <a:r>
+                  <a:rPr lang="en-US" sz="2000" dirty="0">
+                    <a:gradFill>
+                      <a:gsLst>
+                        <a:gs pos="2917">
+                          <a:schemeClr val="tx1"/>
+                        </a:gs>
+                        <a:gs pos="30000">
+                          <a:schemeClr val="tx1"/>
+                        </a:gs>
+                      </a:gsLst>
+                      <a:lin ang="5400000" scaled="0"/>
+                    </a:gradFill>
+                  </a:rPr>
+                  <a:t>Leaf Level</a:t>
+                </a:r>
+              </a:p>
             </p:txBody>
           </p:sp>
         </p:grpSp>
@@ -26986,7 +27734,7 @@
           <p:spPr>
             <a:xfrm>
               <a:off x="4983574" y="3700439"/>
-              <a:ext cx="2244946" cy="572464"/>
+              <a:ext cx="2244946" cy="926407"/>
             </a:xfrm>
             <a:prstGeom prst="rect">
               <a:avLst/>
@@ -27024,6 +27772,32 @@
                 <a:t>Clustered Index</a:t>
               </a:r>
             </a:p>
+            <a:p>
+              <a:pPr algn="ctr">
+                <a:lnSpc>
+                  <a:spcPct val="90000"/>
+                </a:lnSpc>
+                <a:spcAft>
+                  <a:spcPts val="600"/>
+                </a:spcAft>
+              </a:pPr>
+              <a:r>
+                <a:rPr lang="en-US" sz="2000" dirty="0">
+                  <a:gradFill>
+                    <a:gsLst>
+                      <a:gs pos="2917">
+                        <a:schemeClr val="tx1"/>
+                      </a:gs>
+                      <a:gs pos="30000">
+                        <a:schemeClr val="tx1"/>
+                      </a:gs>
+                    </a:gsLst>
+                    <a:lin ang="5400000" scaled="0"/>
+                  </a:gradFill>
+                </a:rPr>
+                <a:t>Non-Leaf Level</a:t>
+              </a:r>
+            </a:p>
           </p:txBody>
         </p:sp>
         <p:grpSp>
@@ -27041,9 +27815,9 @@
           <p:grpSpPr>
             <a:xfrm>
               <a:off x="8172719" y="2945666"/>
-              <a:ext cx="2556445" cy="3258160"/>
+              <a:ext cx="2556445" cy="3612103"/>
               <a:chOff x="8333492" y="3429000"/>
-              <a:chExt cx="2556445" cy="3258160"/>
+              <a:chExt cx="2556445" cy="3612103"/>
             </a:xfrm>
           </p:grpSpPr>
           <p:pic>
@@ -27091,7 +27865,7 @@
             <p:spPr>
               <a:xfrm>
                 <a:off x="8333492" y="6114696"/>
-                <a:ext cx="2556445" cy="572464"/>
+                <a:ext cx="2556445" cy="926407"/>
               </a:xfrm>
               <a:prstGeom prst="rect">
                 <a:avLst/>
@@ -27127,6 +27901,32 @@
                     </a:gradFill>
                   </a:rPr>
                   <a:t>Data Page 11855</a:t>
+                </a:r>
+              </a:p>
+              <a:p>
+                <a:pPr algn="ctr">
+                  <a:lnSpc>
+                    <a:spcPct val="90000"/>
+                  </a:lnSpc>
+                  <a:spcAft>
+                    <a:spcPts val="600"/>
+                  </a:spcAft>
+                </a:pPr>
+                <a:r>
+                  <a:rPr lang="en-US" sz="2000" dirty="0">
+                    <a:gradFill>
+                      <a:gsLst>
+                        <a:gs pos="2917">
+                          <a:schemeClr val="tx1"/>
+                        </a:gs>
+                        <a:gs pos="30000">
+                          <a:schemeClr val="tx1"/>
+                        </a:gs>
+                      </a:gsLst>
+                      <a:lin ang="5400000" scaled="0"/>
+                    </a:gradFill>
+                  </a:rPr>
+                  <a:t>Leaf Level</a:t>
                 </a:r>
               </a:p>
             </p:txBody>
@@ -27489,7 +28289,7 @@
         </p:nvSpPr>
         <p:spPr>
           <a:xfrm>
-            <a:off x="754059" y="4786259"/>
+            <a:off x="728230" y="4990999"/>
             <a:ext cx="5341941" cy="1200329"/>
           </a:xfrm>
           <a:prstGeom prst="rect">
@@ -27655,7 +28455,7 @@
 </p:sld>
 </file>
 
-<file path=ppt/slides/slide8.xml><?xml version="1.0" encoding="utf-8"?>
+<file path=ppt/slides/slide9.xml><?xml version="1.0" encoding="utf-8"?>
 <p:sld xmlns:a="http://schemas.openxmlformats.org/drawingml/2006/main" xmlns:r="http://schemas.openxmlformats.org/officeDocument/2006/relationships" xmlns:p="http://schemas.openxmlformats.org/presentationml/2006/main">
   <p:cSld>
     <p:spTree>
@@ -27824,197 +28624,6 @@
     <p:extLst>
       <p:ext uri="{BB962C8B-B14F-4D97-AF65-F5344CB8AC3E}">
         <p14:creationId xmlns:p14="http://schemas.microsoft.com/office/powerpoint/2010/main" val="4229513381"/>
-      </p:ext>
-    </p:extLst>
-  </p:cSld>
-  <p:clrMapOvr>
-    <a:masterClrMapping/>
-  </p:clrMapOvr>
-</p:sld>
-</file>
-
-<file path=ppt/slides/slide9.xml><?xml version="1.0" encoding="utf-8"?>
-<p:sld xmlns:a="http://schemas.openxmlformats.org/drawingml/2006/main" xmlns:r="http://schemas.openxmlformats.org/officeDocument/2006/relationships" xmlns:p="http://schemas.openxmlformats.org/presentationml/2006/main">
-  <p:cSld>
-    <p:spTree>
-      <p:nvGrpSpPr>
-        <p:cNvPr id="1" name=""/>
-        <p:cNvGrpSpPr/>
-        <p:nvPr/>
-      </p:nvGrpSpPr>
-      <p:grpSpPr>
-        <a:xfrm>
-          <a:off x="0" y="0"/>
-          <a:ext cx="0" cy="0"/>
-          <a:chOff x="0" y="0"/>
-          <a:chExt cx="0" cy="0"/>
-        </a:xfrm>
-      </p:grpSpPr>
-      <p:pic>
-        <p:nvPicPr>
-          <p:cNvPr id="4" name="Picture 3">
-            <a:extLst>
-              <a:ext uri="{FF2B5EF4-FFF2-40B4-BE49-F238E27FC236}">
-                <a16:creationId xmlns:a16="http://schemas.microsoft.com/office/drawing/2014/main" id="{6161504A-FF00-9714-5B11-FC3861BFB7B9}"/>
-              </a:ext>
-            </a:extLst>
-          </p:cNvPr>
-          <p:cNvPicPr>
-            <a:picLocks noChangeAspect="1"/>
-          </p:cNvPicPr>
-          <p:nvPr/>
-        </p:nvPicPr>
-        <p:blipFill>
-          <a:blip r:embed="rId3"/>
-          <a:stretch>
-            <a:fillRect/>
-          </a:stretch>
-        </p:blipFill>
-        <p:spPr>
-          <a:xfrm>
-            <a:off x="342405" y="1082210"/>
-            <a:ext cx="7529682" cy="4693579"/>
-          </a:xfrm>
-          <a:prstGeom prst="rect">
-            <a:avLst/>
-          </a:prstGeom>
-          <a:ln>
-            <a:noFill/>
-          </a:ln>
-          <a:effectLst>
-            <a:outerShdw blurRad="190500" algn="tl" rotWithShape="0">
-              <a:srgbClr val="000000">
-                <a:alpha val="70000"/>
-              </a:srgbClr>
-            </a:outerShdw>
-          </a:effectLst>
-        </p:spPr>
-      </p:pic>
-      <p:sp>
-        <p:nvSpPr>
-          <p:cNvPr id="2" name="Title 1">
-            <a:extLst>
-              <a:ext uri="{FF2B5EF4-FFF2-40B4-BE49-F238E27FC236}">
-                <a16:creationId xmlns:a16="http://schemas.microsoft.com/office/drawing/2014/main" id="{EB67312A-9819-43C6-8D84-D9136E6CFFCC}"/>
-              </a:ext>
-            </a:extLst>
-          </p:cNvPr>
-          <p:cNvSpPr>
-            <a:spLocks noGrp="1"/>
-          </p:cNvSpPr>
-          <p:nvPr>
-            <p:ph type="title"/>
-          </p:nvPr>
-        </p:nvSpPr>
-        <p:spPr>
-          <a:xfrm>
-            <a:off x="465666" y="271124"/>
-            <a:ext cx="10880725" cy="461665"/>
-          </a:xfrm>
-          <a:prstGeom prst="rect">
-            <a:avLst/>
-          </a:prstGeom>
-          <a:ln>
-            <a:noFill/>
-          </a:ln>
-        </p:spPr>
-        <p:txBody>
-          <a:bodyPr wrap="square" anchor="t">
-            <a:normAutofit/>
-          </a:bodyPr>
-          <a:lstStyle/>
-          <a:p>
-            <a:r>
-              <a:rPr lang="en-US" dirty="0"/>
-              <a:t>Key Lookup </a:t>
-            </a:r>
-          </a:p>
-        </p:txBody>
-      </p:sp>
-      <p:pic>
-        <p:nvPicPr>
-          <p:cNvPr id="5" name="Picture 4">
-            <a:extLst>
-              <a:ext uri="{FF2B5EF4-FFF2-40B4-BE49-F238E27FC236}">
-                <a16:creationId xmlns:a16="http://schemas.microsoft.com/office/drawing/2014/main" id="{2BA5FAAE-4D18-5CE9-B24D-CE23C29F5C3D}"/>
-              </a:ext>
-            </a:extLst>
-          </p:cNvPr>
-          <p:cNvPicPr>
-            <a:picLocks noChangeAspect="1"/>
-          </p:cNvPicPr>
-          <p:nvPr/>
-        </p:nvPicPr>
-        <p:blipFill>
-          <a:blip r:embed="rId4"/>
-          <a:stretch>
-            <a:fillRect/>
-          </a:stretch>
-        </p:blipFill>
-        <p:spPr>
-          <a:xfrm>
-            <a:off x="6478611" y="3924396"/>
-            <a:ext cx="5370984" cy="2381582"/>
-          </a:xfrm>
-          <a:prstGeom prst="rect">
-            <a:avLst/>
-          </a:prstGeom>
-          <a:ln>
-            <a:noFill/>
-          </a:ln>
-          <a:effectLst>
-            <a:outerShdw blurRad="190500" algn="tl" rotWithShape="0">
-              <a:srgbClr val="000000">
-                <a:alpha val="70000"/>
-              </a:srgbClr>
-            </a:outerShdw>
-          </a:effectLst>
-        </p:spPr>
-      </p:pic>
-      <p:pic>
-        <p:nvPicPr>
-          <p:cNvPr id="7" name="Picture 6">
-            <a:extLst>
-              <a:ext uri="{FF2B5EF4-FFF2-40B4-BE49-F238E27FC236}">
-                <a16:creationId xmlns:a16="http://schemas.microsoft.com/office/drawing/2014/main" id="{5D8E6B07-57FC-4558-8130-C69BD5AC82BD}"/>
-              </a:ext>
-            </a:extLst>
-          </p:cNvPr>
-          <p:cNvPicPr>
-            <a:picLocks noChangeAspect="1"/>
-          </p:cNvPicPr>
-          <p:nvPr/>
-        </p:nvPicPr>
-        <p:blipFill>
-          <a:blip r:embed="rId5"/>
-          <a:stretch>
-            <a:fillRect/>
-          </a:stretch>
-        </p:blipFill>
-        <p:spPr>
-          <a:xfrm>
-            <a:off x="6478611" y="1984310"/>
-            <a:ext cx="5370984" cy="1409897"/>
-          </a:xfrm>
-          <a:prstGeom prst="rect">
-            <a:avLst/>
-          </a:prstGeom>
-          <a:ln>
-            <a:noFill/>
-          </a:ln>
-          <a:effectLst>
-            <a:outerShdw blurRad="190500" algn="tl" rotWithShape="0">
-              <a:srgbClr val="000000">
-                <a:alpha val="70000"/>
-              </a:srgbClr>
-            </a:outerShdw>
-          </a:effectLst>
-        </p:spPr>
-      </p:pic>
-    </p:spTree>
-    <p:extLst>
-      <p:ext uri="{BB962C8B-B14F-4D97-AF65-F5344CB8AC3E}">
-        <p14:creationId xmlns:p14="http://schemas.microsoft.com/office/powerpoint/2010/main" val="1798669617"/>
       </p:ext>
     </p:extLst>
   </p:cSld>
